--- a/Neural Networks/NNTheory.pptx
+++ b/Neural Networks/NNTheory.pptx
@@ -5,7 +5,7 @@
     <p:sldMasterId id="2147484295" r:id="rId1"/>
   </p:sldMasterIdLst>
   <p:notesMasterIdLst>
-    <p:notesMasterId r:id="rId11"/>
+    <p:notesMasterId r:id="rId12"/>
   </p:notesMasterIdLst>
   <p:sldIdLst>
     <p:sldId id="257" r:id="rId2"/>
@@ -17,6 +17,7 @@
     <p:sldId id="277" r:id="rId8"/>
     <p:sldId id="278" r:id="rId9"/>
     <p:sldId id="279" r:id="rId10"/>
+    <p:sldId id="281" r:id="rId11"/>
   </p:sldIdLst>
   <p:sldSz cx="12192000" cy="6858000"/>
   <p:notesSz cx="6858000" cy="9144000"/>
@@ -205,7 +206,7 @@
           <a:p>
             <a:fld id="{08CFCC02-43B6-1140-8197-8C10C084F446}" type="datetimeFigureOut">
               <a:rPr lang="en-US" smtClean="0"/>
-              <a:t>6/8/21</a:t>
+              <a:t>6/15/21</a:t>
             </a:fld>
             <a:endParaRPr lang="en-US"/>
           </a:p>
@@ -720,7 +721,7 @@
           <a:p>
             <a:fld id="{B5898F52-2787-4BA2-BBBC-9395E9F86D50}" type="datetimeFigureOut">
               <a:rPr lang="en-US" smtClean="0"/>
-              <a:t>6/8/21</a:t>
+              <a:t>6/15/21</a:t>
             </a:fld>
             <a:endParaRPr lang="en-US"/>
           </a:p>
@@ -890,7 +891,7 @@
           <a:p>
             <a:fld id="{B5898F52-2787-4BA2-BBBC-9395E9F86D50}" type="datetimeFigureOut">
               <a:rPr lang="en-US" smtClean="0"/>
-              <a:t>6/8/21</a:t>
+              <a:t>6/15/21</a:t>
             </a:fld>
             <a:endParaRPr lang="en-US"/>
           </a:p>
@@ -1070,7 +1071,7 @@
           <a:p>
             <a:fld id="{B5898F52-2787-4BA2-BBBC-9395E9F86D50}" type="datetimeFigureOut">
               <a:rPr lang="en-US" smtClean="0"/>
-              <a:t>6/8/21</a:t>
+              <a:t>6/15/21</a:t>
             </a:fld>
             <a:endParaRPr lang="en-US"/>
           </a:p>
@@ -1240,7 +1241,7 @@
           <a:p>
             <a:fld id="{B5898F52-2787-4BA2-BBBC-9395E9F86D50}" type="datetimeFigureOut">
               <a:rPr lang="en-US" smtClean="0"/>
-              <a:t>6/8/21</a:t>
+              <a:t>6/15/21</a:t>
             </a:fld>
             <a:endParaRPr lang="en-US"/>
           </a:p>
@@ -1508,7 +1509,7 @@
           <a:p>
             <a:fld id="{B5898F52-2787-4BA2-BBBC-9395E9F86D50}" type="datetimeFigureOut">
               <a:rPr lang="en-US" smtClean="0"/>
-              <a:t>6/8/21</a:t>
+              <a:t>6/15/21</a:t>
             </a:fld>
             <a:endParaRPr lang="en-US"/>
           </a:p>
@@ -1740,7 +1741,7 @@
           <a:p>
             <a:fld id="{B5898F52-2787-4BA2-BBBC-9395E9F86D50}" type="datetimeFigureOut">
               <a:rPr lang="en-US" smtClean="0"/>
-              <a:t>6/8/21</a:t>
+              <a:t>6/15/21</a:t>
             </a:fld>
             <a:endParaRPr lang="en-US"/>
           </a:p>
@@ -2096,7 +2097,7 @@
             <a:fld id="{B5898F52-2787-4BA2-BBBC-9395E9F86D50}" type="datetimeFigureOut">
               <a:rPr lang="en-US" smtClean="0"/>
               <a:pPr/>
-              <a:t>6/8/21</a:t>
+              <a:t>6/15/21</a:t>
             </a:fld>
             <a:endParaRPr lang="en-US" dirty="0"/>
           </a:p>
@@ -2238,7 +2239,7 @@
           <a:p>
             <a:fld id="{B5898F52-2787-4BA2-BBBC-9395E9F86D50}" type="datetimeFigureOut">
               <a:rPr lang="en-US" smtClean="0"/>
-              <a:t>6/8/21</a:t>
+              <a:t>6/15/21</a:t>
             </a:fld>
             <a:endParaRPr lang="en-US"/>
           </a:p>
@@ -2333,7 +2334,7 @@
           <a:p>
             <a:fld id="{B5898F52-2787-4BA2-BBBC-9395E9F86D50}" type="datetimeFigureOut">
               <a:rPr lang="en-US" smtClean="0"/>
-              <a:t>6/8/21</a:t>
+              <a:t>6/15/21</a:t>
             </a:fld>
             <a:endParaRPr lang="en-US"/>
           </a:p>
@@ -2690,7 +2691,7 @@
           <a:p>
             <a:fld id="{B5898F52-2787-4BA2-BBBC-9395E9F86D50}" type="datetimeFigureOut">
               <a:rPr lang="en-US" smtClean="0"/>
-              <a:t>6/8/21</a:t>
+              <a:t>6/15/21</a:t>
             </a:fld>
             <a:endParaRPr lang="en-US"/>
           </a:p>
@@ -3046,7 +3047,7 @@
           <a:p>
             <a:fld id="{B5898F52-2787-4BA2-BBBC-9395E9F86D50}" type="datetimeFigureOut">
               <a:rPr lang="en-US" smtClean="0"/>
-              <a:t>6/8/21</a:t>
+              <a:t>6/15/21</a:t>
             </a:fld>
             <a:endParaRPr lang="en-US"/>
           </a:p>
@@ -3287,7 +3288,7 @@
             <a:fld id="{B5898F52-2787-4BA2-BBBC-9395E9F86D50}" type="datetimeFigureOut">
               <a:rPr lang="en-US" smtClean="0"/>
               <a:pPr/>
-              <a:t>6/8/21</a:t>
+              <a:t>6/15/21</a:t>
             </a:fld>
             <a:endParaRPr lang="en-US" dirty="0"/>
           </a:p>
@@ -3851,6 +3852,557 @@
 </p:sld>
 </file>
 
+<file path=ppt/slides/slide10.xml><?xml version="1.0" encoding="utf-8"?>
+<p:sld xmlns:a="http://schemas.openxmlformats.org/drawingml/2006/main" xmlns:r="http://schemas.openxmlformats.org/officeDocument/2006/relationships" xmlns:p="http://schemas.openxmlformats.org/presentationml/2006/main">
+  <p:cSld>
+    <p:bg>
+      <p:bgPr>
+        <a:solidFill>
+          <a:schemeClr val="bg1"/>
+        </a:solidFill>
+        <a:effectLst/>
+      </p:bgPr>
+    </p:bg>
+    <p:spTree>
+      <p:nvGrpSpPr>
+        <p:cNvPr id="1" name=""/>
+        <p:cNvGrpSpPr/>
+        <p:nvPr/>
+      </p:nvGrpSpPr>
+      <p:grpSpPr>
+        <a:xfrm>
+          <a:off x="0" y="0"/>
+          <a:ext cx="0" cy="0"/>
+          <a:chOff x="0" y="0"/>
+          <a:chExt cx="0" cy="0"/>
+        </a:xfrm>
+      </p:grpSpPr>
+      <p:sp>
+        <p:nvSpPr>
+          <p:cNvPr id="8" name="Rectangle 7">
+            <a:extLst>
+              <a:ext uri="{FF2B5EF4-FFF2-40B4-BE49-F238E27FC236}">
+                <a16:creationId xmlns:a16="http://schemas.microsoft.com/office/drawing/2014/main" id="{C33976D1-3430-450C-A978-87A9A6E8E71F}"/>
+              </a:ext>
+              <a:ext uri="{C183D7F6-B498-43B3-948B-1728B52AA6E4}">
+                <adec:decorative xmlns:adec="http://schemas.microsoft.com/office/drawing/2017/decorative" val="1"/>
+              </a:ext>
+            </a:extLst>
+          </p:cNvPr>
+          <p:cNvSpPr>
+            <a:spLocks noGrp="1" noRot="1" noChangeAspect="1" noMove="1" noResize="1" noEditPoints="1" noAdjustHandles="1" noChangeArrowheads="1" noChangeShapeType="1" noTextEdit="1"/>
+          </p:cNvSpPr>
+          <p:nvPr>
+            <p:extLst>
+              <p:ext uri="{386F3935-93C4-4BCD-93E2-E3B085C9AB24}">
+                <p16:designElem xmlns:p16="http://schemas.microsoft.com/office/powerpoint/2015/main" val="1"/>
+              </p:ext>
+            </p:extLst>
+          </p:nvPr>
+        </p:nvSpPr>
+        <p:spPr>
+          <a:xfrm>
+            <a:off x="0" y="0"/>
+            <a:ext cx="12192000" cy="6858000"/>
+          </a:xfrm>
+          <a:prstGeom prst="rect">
+            <a:avLst/>
+          </a:prstGeom>
+          <a:solidFill>
+            <a:schemeClr val="accent2"/>
+          </a:solidFill>
+          <a:ln>
+            <a:noFill/>
+          </a:ln>
+        </p:spPr>
+        <p:style>
+          <a:lnRef idx="2">
+            <a:schemeClr val="accent1">
+              <a:shade val="50000"/>
+            </a:schemeClr>
+          </a:lnRef>
+          <a:fillRef idx="1">
+            <a:schemeClr val="accent1"/>
+          </a:fillRef>
+          <a:effectRef idx="0">
+            <a:schemeClr val="accent1"/>
+          </a:effectRef>
+          <a:fontRef idx="minor">
+            <a:schemeClr val="lt1"/>
+          </a:fontRef>
+        </p:style>
+        <p:txBody>
+          <a:bodyPr rtlCol="0" anchor="ctr"/>
+          <a:lstStyle/>
+          <a:p>
+            <a:pPr algn="ctr"/>
+            <a:endParaRPr lang="en-US"/>
+          </a:p>
+        </p:txBody>
+      </p:sp>
+      <p:sp>
+        <p:nvSpPr>
+          <p:cNvPr id="14" name="Rectangle 9">
+            <a:extLst>
+              <a:ext uri="{FF2B5EF4-FFF2-40B4-BE49-F238E27FC236}">
+                <a16:creationId xmlns:a16="http://schemas.microsoft.com/office/drawing/2014/main" id="{7D6AAC78-7D86-415A-ADC1-2B474807960C}"/>
+              </a:ext>
+              <a:ext uri="{C183D7F6-B498-43B3-948B-1728B52AA6E4}">
+                <adec:decorative xmlns:adec="http://schemas.microsoft.com/office/drawing/2017/decorative" val="1"/>
+              </a:ext>
+            </a:extLst>
+          </p:cNvPr>
+          <p:cNvSpPr>
+            <a:spLocks noGrp="1" noRot="1" noChangeAspect="1" noMove="1" noResize="1" noEditPoints="1" noAdjustHandles="1" noChangeArrowheads="1" noChangeShapeType="1" noTextEdit="1"/>
+          </p:cNvSpPr>
+          <p:nvPr>
+            <p:extLst>
+              <p:ext uri="{386F3935-93C4-4BCD-93E2-E3B085C9AB24}">
+                <p16:designElem xmlns:p16="http://schemas.microsoft.com/office/powerpoint/2015/main" val="1"/>
+              </p:ext>
+            </p:extLst>
+          </p:nvPr>
+        </p:nvSpPr>
+        <p:spPr>
+          <a:xfrm>
+            <a:off x="1249680" y="1248156"/>
+            <a:ext cx="9692640" cy="4361688"/>
+          </a:xfrm>
+          <a:prstGeom prst="rect">
+            <a:avLst/>
+          </a:prstGeom>
+          <a:solidFill>
+            <a:srgbClr val="FFFFFF"/>
+          </a:solidFill>
+          <a:ln>
+            <a:noFill/>
+          </a:ln>
+        </p:spPr>
+        <p:style>
+          <a:lnRef idx="2">
+            <a:schemeClr val="accent1">
+              <a:shade val="50000"/>
+            </a:schemeClr>
+          </a:lnRef>
+          <a:fillRef idx="1">
+            <a:schemeClr val="accent1"/>
+          </a:fillRef>
+          <a:effectRef idx="0">
+            <a:schemeClr val="accent1"/>
+          </a:effectRef>
+          <a:fontRef idx="minor">
+            <a:schemeClr val="lt1"/>
+          </a:fontRef>
+        </p:style>
+        <p:txBody>
+          <a:bodyPr rtlCol="0" anchor="ctr"/>
+          <a:lstStyle/>
+          <a:p>
+            <a:pPr algn="ctr"/>
+            <a:endParaRPr lang="en-US"/>
+          </a:p>
+        </p:txBody>
+      </p:sp>
+      <p:sp>
+        <p:nvSpPr>
+          <p:cNvPr id="15" name="Rectangle 11">
+            <a:extLst>
+              <a:ext uri="{FF2B5EF4-FFF2-40B4-BE49-F238E27FC236}">
+                <a16:creationId xmlns:a16="http://schemas.microsoft.com/office/drawing/2014/main" id="{F2A658D9-F185-44F1-BA33-D50320D1D078}"/>
+              </a:ext>
+              <a:ext uri="{C183D7F6-B498-43B3-948B-1728B52AA6E4}">
+                <adec:decorative xmlns:adec="http://schemas.microsoft.com/office/drawing/2017/decorative" val="1"/>
+              </a:ext>
+            </a:extLst>
+          </p:cNvPr>
+          <p:cNvSpPr>
+            <a:spLocks noGrp="1" noRot="1" noChangeAspect="1" noMove="1" noResize="1" noEditPoints="1" noAdjustHandles="1" noChangeArrowheads="1" noChangeShapeType="1" noTextEdit="1"/>
+          </p:cNvSpPr>
+          <p:nvPr>
+            <p:extLst>
+              <p:ext uri="{386F3935-93C4-4BCD-93E2-E3B085C9AB24}">
+                <p16:designElem xmlns:p16="http://schemas.microsoft.com/office/powerpoint/2015/main" val="1"/>
+              </p:ext>
+            </p:extLst>
+          </p:nvPr>
+        </p:nvSpPr>
+        <p:spPr>
+          <a:xfrm>
+            <a:off x="1062228" y="1060704"/>
+            <a:ext cx="10067544" cy="4736592"/>
+          </a:xfrm>
+          <a:prstGeom prst="rect">
+            <a:avLst/>
+          </a:prstGeom>
+          <a:noFill/>
+          <a:ln w="31750" cap="sq">
+            <a:solidFill>
+              <a:srgbClr val="FFFFFF"/>
+            </a:solidFill>
+            <a:miter lim="800000"/>
+          </a:ln>
+        </p:spPr>
+        <p:style>
+          <a:lnRef idx="2">
+            <a:schemeClr val="accent1">
+              <a:shade val="50000"/>
+            </a:schemeClr>
+          </a:lnRef>
+          <a:fillRef idx="1">
+            <a:schemeClr val="accent1"/>
+          </a:fillRef>
+          <a:effectRef idx="0">
+            <a:schemeClr val="accent1"/>
+          </a:effectRef>
+          <a:fontRef idx="minor">
+            <a:schemeClr val="lt1"/>
+          </a:fontRef>
+        </p:style>
+        <p:txBody>
+          <a:bodyPr rtlCol="0" anchor="ctr"/>
+          <a:lstStyle/>
+          <a:p>
+            <a:pPr algn="ctr"/>
+            <a:endParaRPr lang="en-US"/>
+          </a:p>
+        </p:txBody>
+      </p:sp>
+      <p:sp>
+        <p:nvSpPr>
+          <p:cNvPr id="2" name="Title 1">
+            <a:extLst>
+              <a:ext uri="{FF2B5EF4-FFF2-40B4-BE49-F238E27FC236}">
+                <a16:creationId xmlns:a16="http://schemas.microsoft.com/office/drawing/2014/main" id="{289CD273-963D-E447-BE57-83BE8F205CAF}"/>
+              </a:ext>
+            </a:extLst>
+          </p:cNvPr>
+          <p:cNvSpPr>
+            <a:spLocks noGrp="1"/>
+          </p:cNvSpPr>
+          <p:nvPr>
+            <p:ph type="title"/>
+          </p:nvPr>
+        </p:nvSpPr>
+        <p:spPr>
+          <a:xfrm>
+            <a:off x="2231136" y="467418"/>
+            <a:ext cx="7729728" cy="1188720"/>
+          </a:xfrm>
+          <a:solidFill>
+            <a:schemeClr val="bg1"/>
+          </a:solidFill>
+        </p:spPr>
+        <p:txBody>
+          <a:bodyPr>
+            <a:normAutofit/>
+          </a:bodyPr>
+          <a:lstStyle/>
+          <a:p>
+            <a:r>
+              <a:rPr lang="en-US" dirty="0"/>
+              <a:t>Not just for regression or classification</a:t>
+            </a:r>
+          </a:p>
+        </p:txBody>
+      </p:sp>
+      <p:sp>
+        <p:nvSpPr>
+          <p:cNvPr id="11" name="Content Placeholder 2">
+            <a:extLst>
+              <a:ext uri="{FF2B5EF4-FFF2-40B4-BE49-F238E27FC236}">
+                <a16:creationId xmlns:a16="http://schemas.microsoft.com/office/drawing/2014/main" id="{0C2A2C2C-7BE9-D64A-BC13-83E75A42CFA9}"/>
+              </a:ext>
+            </a:extLst>
+          </p:cNvPr>
+          <p:cNvSpPr txBox="1">
+            <a:spLocks/>
+          </p:cNvSpPr>
+          <p:nvPr/>
+        </p:nvSpPr>
+        <p:spPr>
+          <a:xfrm>
+            <a:off x="2231136" y="2193128"/>
+            <a:ext cx="4850003" cy="2879725"/>
+          </a:xfrm>
+          <a:prstGeom prst="rect">
+            <a:avLst/>
+          </a:prstGeom>
+        </p:spPr>
+        <p:txBody>
+          <a:bodyPr vert="horz" lIns="91440" tIns="45720" rIns="91440" bIns="45720" rtlCol="0" anchor="ctr">
+            <a:normAutofit/>
+          </a:bodyPr>
+          <a:lstStyle>
+            <a:lvl1pPr marL="228600" indent="-228600" algn="l" defTabSz="914400" rtl="0" eaLnBrk="1" latinLnBrk="0" hangingPunct="1">
+              <a:lnSpc>
+                <a:spcPct val="100000"/>
+              </a:lnSpc>
+              <a:spcBef>
+                <a:spcPts val="1000"/>
+              </a:spcBef>
+              <a:buClr>
+                <a:schemeClr val="accent2"/>
+              </a:buClr>
+              <a:buFont typeface="Arial" panose="020B0604020202020204" pitchFamily="34" charset="0"/>
+              <a:buChar char="•"/>
+              <a:defRPr sz="1800" kern="1200">
+                <a:solidFill>
+                  <a:schemeClr val="tx1">
+                    <a:lumMod val="85000"/>
+                    <a:lumOff val="15000"/>
+                  </a:schemeClr>
+                </a:solidFill>
+                <a:latin typeface="+mn-lt"/>
+                <a:ea typeface="+mn-ea"/>
+                <a:cs typeface="+mn-cs"/>
+              </a:defRPr>
+            </a:lvl1pPr>
+            <a:lvl2pPr marL="457200" indent="-228600" algn="l" defTabSz="914400" rtl="0" eaLnBrk="1" latinLnBrk="0" hangingPunct="1">
+              <a:lnSpc>
+                <a:spcPct val="100000"/>
+              </a:lnSpc>
+              <a:spcBef>
+                <a:spcPts val="1000"/>
+              </a:spcBef>
+              <a:buClr>
+                <a:schemeClr val="accent2"/>
+              </a:buClr>
+              <a:buFont typeface="Arial" panose="020B0604020202020204" pitchFamily="34" charset="0"/>
+              <a:buChar char="•"/>
+              <a:defRPr sz="1600" kern="1200">
+                <a:solidFill>
+                  <a:schemeClr val="tx1">
+                    <a:lumMod val="85000"/>
+                    <a:lumOff val="15000"/>
+                  </a:schemeClr>
+                </a:solidFill>
+                <a:latin typeface="+mn-lt"/>
+                <a:ea typeface="+mn-ea"/>
+                <a:cs typeface="+mn-cs"/>
+              </a:defRPr>
+            </a:lvl2pPr>
+            <a:lvl3pPr marL="685800" indent="-228600" algn="l" defTabSz="914400" rtl="0" eaLnBrk="1" latinLnBrk="0" hangingPunct="1">
+              <a:lnSpc>
+                <a:spcPct val="100000"/>
+              </a:lnSpc>
+              <a:spcBef>
+                <a:spcPts val="1000"/>
+              </a:spcBef>
+              <a:buClr>
+                <a:schemeClr val="accent2"/>
+              </a:buClr>
+              <a:buFont typeface="Arial" panose="020B0604020202020204" pitchFamily="34" charset="0"/>
+              <a:buChar char="•"/>
+              <a:defRPr sz="1600" kern="1200">
+                <a:solidFill>
+                  <a:schemeClr val="tx1">
+                    <a:lumMod val="85000"/>
+                    <a:lumOff val="15000"/>
+                  </a:schemeClr>
+                </a:solidFill>
+                <a:latin typeface="+mn-lt"/>
+                <a:ea typeface="+mn-ea"/>
+                <a:cs typeface="+mn-cs"/>
+              </a:defRPr>
+            </a:lvl3pPr>
+            <a:lvl4pPr marL="914400" indent="-228600" algn="l" defTabSz="914400" rtl="0" eaLnBrk="1" latinLnBrk="0" hangingPunct="1">
+              <a:lnSpc>
+                <a:spcPct val="100000"/>
+              </a:lnSpc>
+              <a:spcBef>
+                <a:spcPts val="1000"/>
+              </a:spcBef>
+              <a:buClr>
+                <a:schemeClr val="accent2"/>
+              </a:buClr>
+              <a:buFont typeface="Arial" panose="020B0604020202020204" pitchFamily="34" charset="0"/>
+              <a:buChar char="•"/>
+              <a:defRPr sz="1600" kern="1200">
+                <a:solidFill>
+                  <a:schemeClr val="tx1">
+                    <a:lumMod val="85000"/>
+                    <a:lumOff val="15000"/>
+                  </a:schemeClr>
+                </a:solidFill>
+                <a:latin typeface="+mn-lt"/>
+                <a:ea typeface="+mn-ea"/>
+                <a:cs typeface="+mn-cs"/>
+              </a:defRPr>
+            </a:lvl4pPr>
+            <a:lvl5pPr marL="1143000" indent="-228600" algn="l" defTabSz="914400" rtl="0" eaLnBrk="1" latinLnBrk="0" hangingPunct="1">
+              <a:lnSpc>
+                <a:spcPct val="100000"/>
+              </a:lnSpc>
+              <a:spcBef>
+                <a:spcPts val="1000"/>
+              </a:spcBef>
+              <a:buClr>
+                <a:schemeClr val="accent2"/>
+              </a:buClr>
+              <a:buFont typeface="Arial" panose="020B0604020202020204" pitchFamily="34" charset="0"/>
+              <a:buChar char="•"/>
+              <a:defRPr sz="1600" kern="1200">
+                <a:solidFill>
+                  <a:schemeClr val="tx1">
+                    <a:lumMod val="85000"/>
+                    <a:lumOff val="15000"/>
+                  </a:schemeClr>
+                </a:solidFill>
+                <a:latin typeface="+mn-lt"/>
+                <a:ea typeface="+mn-ea"/>
+                <a:cs typeface="+mn-cs"/>
+              </a:defRPr>
+            </a:lvl5pPr>
+            <a:lvl6pPr marL="1312863" indent="-228600" algn="l" defTabSz="914400" rtl="0" eaLnBrk="1" latinLnBrk="0" hangingPunct="1">
+              <a:lnSpc>
+                <a:spcPct val="100000"/>
+              </a:lnSpc>
+              <a:spcBef>
+                <a:spcPts val="1000"/>
+              </a:spcBef>
+              <a:buClr>
+                <a:schemeClr val="accent2"/>
+              </a:buClr>
+              <a:buFont typeface="Arial" panose="020B0604020202020204" pitchFamily="34" charset="0"/>
+              <a:buChar char="•"/>
+              <a:defRPr sz="1600" kern="1200">
+                <a:solidFill>
+                  <a:schemeClr val="tx1"/>
+                </a:solidFill>
+                <a:latin typeface="+mn-lt"/>
+                <a:ea typeface="+mn-ea"/>
+                <a:cs typeface="+mn-cs"/>
+              </a:defRPr>
+            </a:lvl6pPr>
+            <a:lvl7pPr marL="1484313" indent="-228600" algn="l" defTabSz="914400" rtl="0" eaLnBrk="1" latinLnBrk="0" hangingPunct="1">
+              <a:lnSpc>
+                <a:spcPct val="100000"/>
+              </a:lnSpc>
+              <a:spcBef>
+                <a:spcPts val="1000"/>
+              </a:spcBef>
+              <a:buClr>
+                <a:schemeClr val="accent2"/>
+              </a:buClr>
+              <a:buFont typeface="Arial" panose="020B0604020202020204" pitchFamily="34" charset="0"/>
+              <a:buChar char="•"/>
+              <a:defRPr sz="1600" kern="1200">
+                <a:solidFill>
+                  <a:schemeClr val="tx1"/>
+                </a:solidFill>
+                <a:latin typeface="+mn-lt"/>
+                <a:ea typeface="+mn-ea"/>
+                <a:cs typeface="+mn-cs"/>
+              </a:defRPr>
+            </a:lvl7pPr>
+            <a:lvl8pPr marL="1657350" indent="-228600" algn="l" defTabSz="914400" rtl="0" eaLnBrk="1" latinLnBrk="0" hangingPunct="1">
+              <a:lnSpc>
+                <a:spcPct val="100000"/>
+              </a:lnSpc>
+              <a:spcBef>
+                <a:spcPts val="1000"/>
+              </a:spcBef>
+              <a:buClr>
+                <a:schemeClr val="accent2"/>
+              </a:buClr>
+              <a:buFont typeface="Arial" panose="020B0604020202020204" pitchFamily="34" charset="0"/>
+              <a:buChar char="•"/>
+              <a:defRPr sz="1600" kern="1200" baseline="0">
+                <a:solidFill>
+                  <a:schemeClr val="tx1"/>
+                </a:solidFill>
+                <a:latin typeface="+mn-lt"/>
+                <a:ea typeface="+mn-ea"/>
+                <a:cs typeface="+mn-cs"/>
+              </a:defRPr>
+            </a:lvl8pPr>
+            <a:lvl9pPr marL="1882775" indent="-228600" algn="l" defTabSz="914400" rtl="0" eaLnBrk="1" latinLnBrk="0" hangingPunct="1">
+              <a:lnSpc>
+                <a:spcPct val="100000"/>
+              </a:lnSpc>
+              <a:spcBef>
+                <a:spcPts val="1000"/>
+              </a:spcBef>
+              <a:buClr>
+                <a:schemeClr val="accent2"/>
+              </a:buClr>
+              <a:buFont typeface="Arial" panose="020B0604020202020204" pitchFamily="34" charset="0"/>
+              <a:buChar char="•"/>
+              <a:defRPr sz="1600" kern="1200" baseline="0">
+                <a:solidFill>
+                  <a:schemeClr val="tx1"/>
+                </a:solidFill>
+                <a:latin typeface="+mn-lt"/>
+                <a:ea typeface="+mn-ea"/>
+                <a:cs typeface="+mn-cs"/>
+              </a:defRPr>
+            </a:lvl9pPr>
+          </a:lstStyle>
+          <a:p>
+            <a:endParaRPr lang="en-US" sz="2800" dirty="0"/>
+          </a:p>
+        </p:txBody>
+      </p:sp>
+      <p:pic>
+        <p:nvPicPr>
+          <p:cNvPr id="1026" name="Picture 2">
+            <a:extLst>
+              <a:ext uri="{FF2B5EF4-FFF2-40B4-BE49-F238E27FC236}">
+                <a16:creationId xmlns:a16="http://schemas.microsoft.com/office/drawing/2014/main" id="{16D1B6B3-DCB7-DD4D-A5FF-35EF0F2A64ED}"/>
+              </a:ext>
+            </a:extLst>
+          </p:cNvPr>
+          <p:cNvPicPr>
+            <a:picLocks noChangeAspect="1" noChangeArrowheads="1"/>
+          </p:cNvPicPr>
+          <p:nvPr/>
+        </p:nvPicPr>
+        <p:blipFill>
+          <a:blip r:embed="rId2">
+            <a:extLst>
+              <a:ext uri="{28A0092B-C50C-407E-A947-70E740481C1C}">
+                <a14:useLocalDpi xmlns:a14="http://schemas.microsoft.com/office/drawing/2010/main" val="0"/>
+              </a:ext>
+            </a:extLst>
+          </a:blip>
+          <a:srcRect/>
+          <a:stretch>
+            <a:fillRect/>
+          </a:stretch>
+        </p:blipFill>
+        <p:spPr bwMode="auto">
+          <a:xfrm>
+            <a:off x="1587046" y="1905706"/>
+            <a:ext cx="9017907" cy="3454568"/>
+          </a:xfrm>
+          <a:prstGeom prst="rect">
+            <a:avLst/>
+          </a:prstGeom>
+          <a:noFill/>
+          <a:extLst>
+            <a:ext uri="{909E8E84-426E-40DD-AFC4-6F175D3DCCD1}">
+              <a14:hiddenFill xmlns:a14="http://schemas.microsoft.com/office/drawing/2010/main">
+                <a:solidFill>
+                  <a:srgbClr val="FFFFFF"/>
+                </a:solidFill>
+              </a14:hiddenFill>
+            </a:ext>
+          </a:extLst>
+        </p:spPr>
+      </p:pic>
+    </p:spTree>
+    <p:extLst>
+      <p:ext uri="{BB962C8B-B14F-4D97-AF65-F5344CB8AC3E}">
+        <p14:creationId xmlns:p14="http://schemas.microsoft.com/office/powerpoint/2010/main" val="4215423636"/>
+      </p:ext>
+    </p:extLst>
+  </p:cSld>
+  <p:clrMapOvr>
+    <a:masterClrMapping/>
+  </p:clrMapOvr>
+</p:sld>
+</file>
+
 <file path=ppt/slides/slide2.xml><?xml version="1.0" encoding="utf-8"?>
 <p:sld xmlns:a="http://schemas.openxmlformats.org/drawingml/2006/main" xmlns:r="http://schemas.openxmlformats.org/officeDocument/2006/relationships" xmlns:p="http://schemas.openxmlformats.org/presentationml/2006/main">
   <p:cSld>
@@ -5847,38 +6399,6 @@
           </a:p>
         </p:txBody>
       </p:sp>
-      <p:sp>
-        <p:nvSpPr>
-          <p:cNvPr id="16" name="Content Placeholder 2">
-            <a:extLst>
-              <a:ext uri="{FF2B5EF4-FFF2-40B4-BE49-F238E27FC236}">
-                <a16:creationId xmlns:a16="http://schemas.microsoft.com/office/drawing/2014/main" id="{F5773485-B8EB-2A4E-8D67-51F370020BED}"/>
-              </a:ext>
-            </a:extLst>
-          </p:cNvPr>
-          <p:cNvSpPr>
-            <a:spLocks noGrp="1"/>
-          </p:cNvSpPr>
-          <p:nvPr>
-            <p:ph idx="1"/>
-          </p:nvPr>
-        </p:nvSpPr>
-        <p:spPr>
-          <a:xfrm>
-            <a:off x="2231136" y="1743896"/>
-            <a:ext cx="7729728" cy="3613196"/>
-          </a:xfrm>
-        </p:spPr>
-        <p:txBody>
-          <a:bodyPr anchor="ctr">
-            <a:normAutofit/>
-          </a:bodyPr>
-          <a:lstStyle/>
-          <a:p>
-            <a:endParaRPr lang="en-US" sz="2400" dirty="0"/>
-          </a:p>
-        </p:txBody>
-      </p:sp>
       <p:pic>
         <p:nvPicPr>
           <p:cNvPr id="3074" name="Picture 2">
@@ -5936,90 +6456,6 @@
   <p:clrMapOvr>
     <a:masterClrMapping/>
   </p:clrMapOvr>
-  <p:timing>
-    <p:tnLst>
-      <p:par>
-        <p:cTn id="1" dur="indefinite" restart="never" nodeType="tmRoot">
-          <p:childTnLst>
-            <p:seq concurrent="1" nextAc="seek">
-              <p:cTn id="2" dur="indefinite" nodeType="mainSeq">
-                <p:childTnLst>
-                  <p:par>
-                    <p:cTn id="3" fill="hold">
-                      <p:stCondLst>
-                        <p:cond delay="indefinite"/>
-                      </p:stCondLst>
-                      <p:childTnLst>
-                        <p:par>
-                          <p:cTn id="4" fill="hold">
-                            <p:stCondLst>
-                              <p:cond delay="0"/>
-                            </p:stCondLst>
-                            <p:childTnLst>
-                              <p:par>
-                                <p:cTn id="5" presetID="1" presetClass="entr" presetSubtype="0" fill="hold" nodeType="clickEffect" nodePh="1">
-                                  <p:stCondLst>
-                                    <p:cond delay="0"/>
-                                  </p:stCondLst>
-                                  <p:endCondLst>
-                                    <p:cond evt="begin" delay="0">
-                                      <p:tn val="5"/>
-                                    </p:cond>
-                                  </p:endCondLst>
-                                  <p:childTnLst>
-                                    <p:set>
-                                      <p:cBhvr>
-                                        <p:cTn id="6" dur="1" fill="hold">
-                                          <p:stCondLst>
-                                            <p:cond delay="0"/>
-                                          </p:stCondLst>
-                                        </p:cTn>
-                                        <p:tgtEl>
-                                          <p:spTgt spid="16">
-                                            <p:txEl>
-                                              <p:pRg st="0" end="0"/>
-                                            </p:txEl>
-                                          </p:spTgt>
-                                        </p:tgtEl>
-                                        <p:attrNameLst>
-                                          <p:attrName>style.visibility</p:attrName>
-                                        </p:attrNameLst>
-                                      </p:cBhvr>
-                                      <p:to>
-                                        <p:strVal val="visible"/>
-                                      </p:to>
-                                    </p:set>
-                                  </p:childTnLst>
-                                </p:cTn>
-                              </p:par>
-                            </p:childTnLst>
-                          </p:cTn>
-                        </p:par>
-                      </p:childTnLst>
-                    </p:cTn>
-                  </p:par>
-                </p:childTnLst>
-              </p:cTn>
-              <p:prevCondLst>
-                <p:cond evt="onPrev" delay="0">
-                  <p:tgtEl>
-                    <p:sldTgt/>
-                  </p:tgtEl>
-                </p:cond>
-              </p:prevCondLst>
-              <p:nextCondLst>
-                <p:cond evt="onNext" delay="0">
-                  <p:tgtEl>
-                    <p:sldTgt/>
-                  </p:tgtEl>
-                </p:cond>
-              </p:nextCondLst>
-            </p:seq>
-          </p:childTnLst>
-        </p:cTn>
-      </p:par>
-    </p:tnLst>
-  </p:timing>
 </p:sld>
 </file>
 
